--- a/ppt 16-9/0217.赞美基督降生.pptx
+++ b/ppt 16-9/0217.赞美基督降生.pptx
@@ -5,7 +5,7 @@
     <p:sldMasterId id="2147483648" r:id="rId1"/>
   </p:sldMasterIdLst>
   <p:sldIdLst>
-    <p:sldId id="3024" r:id="rId2"/>
+    <p:sldId id="3025" r:id="rId2"/>
   </p:sldIdLst>
   <p:sldSz cx="12192000" cy="6858000"/>
   <p:notesSz cx="6858000" cy="9144000"/>
@@ -129,7 +129,7 @@
           <p:cNvPr id="2" name="标题 1">
             <a:extLst>
               <a:ext uri="{FF2B5EF4-FFF2-40B4-BE49-F238E27FC236}">
-                <a16:creationId xmlns:a16="http://schemas.microsoft.com/office/drawing/2014/main" id="{68C8BE8C-23D8-5604-CA06-7204DAA0DD20}"/>
+                <a16:creationId xmlns:a16="http://schemas.microsoft.com/office/drawing/2014/main" id="{2E19EE50-E79B-C072-C334-47502EAF1E97}"/>
               </a:ext>
             </a:extLst>
           </p:cNvPr>
@@ -166,7 +166,7 @@
           <p:cNvPr id="3" name="副标题 2">
             <a:extLst>
               <a:ext uri="{FF2B5EF4-FFF2-40B4-BE49-F238E27FC236}">
-                <a16:creationId xmlns:a16="http://schemas.microsoft.com/office/drawing/2014/main" id="{8B04D36A-0C03-E837-5AF6-ACC6A06DA98F}"/>
+                <a16:creationId xmlns:a16="http://schemas.microsoft.com/office/drawing/2014/main" id="{DE49AE68-7E13-1F1B-FFDE-FA3E67459963}"/>
               </a:ext>
             </a:extLst>
           </p:cNvPr>
@@ -236,7 +236,7 @@
           <p:cNvPr id="4" name="日期占位符 3">
             <a:extLst>
               <a:ext uri="{FF2B5EF4-FFF2-40B4-BE49-F238E27FC236}">
-                <a16:creationId xmlns:a16="http://schemas.microsoft.com/office/drawing/2014/main" id="{AAE7DEAE-1FAA-9608-D1D2-AB73A1345BAC}"/>
+                <a16:creationId xmlns:a16="http://schemas.microsoft.com/office/drawing/2014/main" id="{6A1559C5-27CD-5A82-F3AC-FA8A402A611D}"/>
               </a:ext>
             </a:extLst>
           </p:cNvPr>
@@ -252,7 +252,7 @@
           <a:bodyPr/>
           <a:lstStyle/>
           <a:p>
-            <a:fld id="{8C862FC8-C38B-4B3A-9A33-68AA3D2216D8}" type="datetimeFigureOut">
+            <a:fld id="{AB8B6590-4476-41FF-801D-180B8DB1D361}" type="datetimeFigureOut">
               <a:rPr lang="zh-CN" altLang="en-US" smtClean="0"/>
               <a:t>2024/3/10</a:t>
             </a:fld>
@@ -265,7 +265,7 @@
           <p:cNvPr id="5" name="页脚占位符 4">
             <a:extLst>
               <a:ext uri="{FF2B5EF4-FFF2-40B4-BE49-F238E27FC236}">
-                <a16:creationId xmlns:a16="http://schemas.microsoft.com/office/drawing/2014/main" id="{A6675C40-25AA-7C95-37F9-8680238B5E7B}"/>
+                <a16:creationId xmlns:a16="http://schemas.microsoft.com/office/drawing/2014/main" id="{914A951C-BEB2-5DA0-2D77-954782A25F8E}"/>
               </a:ext>
             </a:extLst>
           </p:cNvPr>
@@ -290,7 +290,7 @@
           <p:cNvPr id="6" name="灯片编号占位符 5">
             <a:extLst>
               <a:ext uri="{FF2B5EF4-FFF2-40B4-BE49-F238E27FC236}">
-                <a16:creationId xmlns:a16="http://schemas.microsoft.com/office/drawing/2014/main" id="{1A57BCB0-5A78-64DB-195E-F0B07037AF0A}"/>
+                <a16:creationId xmlns:a16="http://schemas.microsoft.com/office/drawing/2014/main" id="{29E95EAE-86E7-8E12-767B-5E22ABE9E5AF}"/>
               </a:ext>
             </a:extLst>
           </p:cNvPr>
@@ -306,7 +306,7 @@
           <a:bodyPr/>
           <a:lstStyle/>
           <a:p>
-            <a:fld id="{0C807EF2-8379-49B1-AA4B-035F05DA17AE}" type="slidenum">
+            <a:fld id="{DA195E89-8522-4BE9-B9F3-C51B103A7A96}" type="slidenum">
               <a:rPr lang="zh-CN" altLang="en-US" smtClean="0"/>
               <a:t>‹#›</a:t>
             </a:fld>
@@ -317,7 +317,7 @@
     </p:spTree>
     <p:extLst>
       <p:ext uri="{BB962C8B-B14F-4D97-AF65-F5344CB8AC3E}">
-        <p14:creationId xmlns:p14="http://schemas.microsoft.com/office/powerpoint/2010/main" val="2958097766"/>
+        <p14:creationId xmlns:p14="http://schemas.microsoft.com/office/powerpoint/2010/main" val="3605715840"/>
       </p:ext>
     </p:extLst>
   </p:cSld>
@@ -349,7 +349,7 @@
           <p:cNvPr id="2" name="标题 1">
             <a:extLst>
               <a:ext uri="{FF2B5EF4-FFF2-40B4-BE49-F238E27FC236}">
-                <a16:creationId xmlns:a16="http://schemas.microsoft.com/office/drawing/2014/main" id="{DA8B04D8-C0E8-79F1-928C-0F1BC66F8385}"/>
+                <a16:creationId xmlns:a16="http://schemas.microsoft.com/office/drawing/2014/main" id="{6460CC46-5F43-3DAA-5AFB-6EED58E5D55D}"/>
               </a:ext>
             </a:extLst>
           </p:cNvPr>
@@ -377,7 +377,7 @@
           <p:cNvPr id="3" name="竖排文字占位符 2">
             <a:extLst>
               <a:ext uri="{FF2B5EF4-FFF2-40B4-BE49-F238E27FC236}">
-                <a16:creationId xmlns:a16="http://schemas.microsoft.com/office/drawing/2014/main" id="{B5A9892D-0BAB-8A69-4E4C-5B3C64C67860}"/>
+                <a16:creationId xmlns:a16="http://schemas.microsoft.com/office/drawing/2014/main" id="{9D52A715-2577-C316-F60B-A3E139B799C2}"/>
               </a:ext>
             </a:extLst>
           </p:cNvPr>
@@ -434,7 +434,7 @@
           <p:cNvPr id="4" name="日期占位符 3">
             <a:extLst>
               <a:ext uri="{FF2B5EF4-FFF2-40B4-BE49-F238E27FC236}">
-                <a16:creationId xmlns:a16="http://schemas.microsoft.com/office/drawing/2014/main" id="{4E024A28-F9E4-C6BF-7EDC-6C4C3F1A907F}"/>
+                <a16:creationId xmlns:a16="http://schemas.microsoft.com/office/drawing/2014/main" id="{D050A1E3-5C8B-62FA-F514-743DCB9F9641}"/>
               </a:ext>
             </a:extLst>
           </p:cNvPr>
@@ -450,7 +450,7 @@
           <a:bodyPr/>
           <a:lstStyle/>
           <a:p>
-            <a:fld id="{8C862FC8-C38B-4B3A-9A33-68AA3D2216D8}" type="datetimeFigureOut">
+            <a:fld id="{AB8B6590-4476-41FF-801D-180B8DB1D361}" type="datetimeFigureOut">
               <a:rPr lang="zh-CN" altLang="en-US" smtClean="0"/>
               <a:t>2024/3/10</a:t>
             </a:fld>
@@ -463,7 +463,7 @@
           <p:cNvPr id="5" name="页脚占位符 4">
             <a:extLst>
               <a:ext uri="{FF2B5EF4-FFF2-40B4-BE49-F238E27FC236}">
-                <a16:creationId xmlns:a16="http://schemas.microsoft.com/office/drawing/2014/main" id="{5075FB97-8884-C67E-8780-887102A79061}"/>
+                <a16:creationId xmlns:a16="http://schemas.microsoft.com/office/drawing/2014/main" id="{5C1374EC-58FE-8211-A17B-A4C2819006D5}"/>
               </a:ext>
             </a:extLst>
           </p:cNvPr>
@@ -488,7 +488,7 @@
           <p:cNvPr id="6" name="灯片编号占位符 5">
             <a:extLst>
               <a:ext uri="{FF2B5EF4-FFF2-40B4-BE49-F238E27FC236}">
-                <a16:creationId xmlns:a16="http://schemas.microsoft.com/office/drawing/2014/main" id="{65B277FD-3756-B494-AABD-7090DF7161A3}"/>
+                <a16:creationId xmlns:a16="http://schemas.microsoft.com/office/drawing/2014/main" id="{06325469-F926-A291-1387-516B7DBCE68E}"/>
               </a:ext>
             </a:extLst>
           </p:cNvPr>
@@ -504,7 +504,7 @@
           <a:bodyPr/>
           <a:lstStyle/>
           <a:p>
-            <a:fld id="{0C807EF2-8379-49B1-AA4B-035F05DA17AE}" type="slidenum">
+            <a:fld id="{DA195E89-8522-4BE9-B9F3-C51B103A7A96}" type="slidenum">
               <a:rPr lang="zh-CN" altLang="en-US" smtClean="0"/>
               <a:t>‹#›</a:t>
             </a:fld>
@@ -515,7 +515,7 @@
     </p:spTree>
     <p:extLst>
       <p:ext uri="{BB962C8B-B14F-4D97-AF65-F5344CB8AC3E}">
-        <p14:creationId xmlns:p14="http://schemas.microsoft.com/office/powerpoint/2010/main" val="4149869013"/>
+        <p14:creationId xmlns:p14="http://schemas.microsoft.com/office/powerpoint/2010/main" val="1990030203"/>
       </p:ext>
     </p:extLst>
   </p:cSld>
@@ -547,7 +547,7 @@
           <p:cNvPr id="2" name="竖排标题 1">
             <a:extLst>
               <a:ext uri="{FF2B5EF4-FFF2-40B4-BE49-F238E27FC236}">
-                <a16:creationId xmlns:a16="http://schemas.microsoft.com/office/drawing/2014/main" id="{673D87F0-FF68-526F-8CB4-C1B92472FEF8}"/>
+                <a16:creationId xmlns:a16="http://schemas.microsoft.com/office/drawing/2014/main" id="{E6CAAE7A-B612-F721-0C6C-64E8BE1D87DD}"/>
               </a:ext>
             </a:extLst>
           </p:cNvPr>
@@ -580,7 +580,7 @@
           <p:cNvPr id="3" name="竖排文字占位符 2">
             <a:extLst>
               <a:ext uri="{FF2B5EF4-FFF2-40B4-BE49-F238E27FC236}">
-                <a16:creationId xmlns:a16="http://schemas.microsoft.com/office/drawing/2014/main" id="{60296B9B-9DEB-64DA-F4AD-59D2EE637B43}"/>
+                <a16:creationId xmlns:a16="http://schemas.microsoft.com/office/drawing/2014/main" id="{DEBBC87D-6D6F-E243-B90D-9D51CAB4A906}"/>
               </a:ext>
             </a:extLst>
           </p:cNvPr>
@@ -642,7 +642,7 @@
           <p:cNvPr id="4" name="日期占位符 3">
             <a:extLst>
               <a:ext uri="{FF2B5EF4-FFF2-40B4-BE49-F238E27FC236}">
-                <a16:creationId xmlns:a16="http://schemas.microsoft.com/office/drawing/2014/main" id="{3882C55D-D586-B981-4A31-06AE80BB7AB6}"/>
+                <a16:creationId xmlns:a16="http://schemas.microsoft.com/office/drawing/2014/main" id="{33A51983-4B13-7DEA-C5FE-B5F4185FC36C}"/>
               </a:ext>
             </a:extLst>
           </p:cNvPr>
@@ -658,7 +658,7 @@
           <a:bodyPr/>
           <a:lstStyle/>
           <a:p>
-            <a:fld id="{8C862FC8-C38B-4B3A-9A33-68AA3D2216D8}" type="datetimeFigureOut">
+            <a:fld id="{AB8B6590-4476-41FF-801D-180B8DB1D361}" type="datetimeFigureOut">
               <a:rPr lang="zh-CN" altLang="en-US" smtClean="0"/>
               <a:t>2024/3/10</a:t>
             </a:fld>
@@ -671,7 +671,7 @@
           <p:cNvPr id="5" name="页脚占位符 4">
             <a:extLst>
               <a:ext uri="{FF2B5EF4-FFF2-40B4-BE49-F238E27FC236}">
-                <a16:creationId xmlns:a16="http://schemas.microsoft.com/office/drawing/2014/main" id="{2EB8248A-2EE3-91D3-893D-419914FCDEE6}"/>
+                <a16:creationId xmlns:a16="http://schemas.microsoft.com/office/drawing/2014/main" id="{DE346E31-151D-0F93-7DD4-288628099164}"/>
               </a:ext>
             </a:extLst>
           </p:cNvPr>
@@ -696,7 +696,7 @@
           <p:cNvPr id="6" name="灯片编号占位符 5">
             <a:extLst>
               <a:ext uri="{FF2B5EF4-FFF2-40B4-BE49-F238E27FC236}">
-                <a16:creationId xmlns:a16="http://schemas.microsoft.com/office/drawing/2014/main" id="{A72DEAE4-1113-F704-4A9C-AEAA5DA376BB}"/>
+                <a16:creationId xmlns:a16="http://schemas.microsoft.com/office/drawing/2014/main" id="{6348417F-9F55-2F15-8519-F50E1F6DACB3}"/>
               </a:ext>
             </a:extLst>
           </p:cNvPr>
@@ -712,7 +712,7 @@
           <a:bodyPr/>
           <a:lstStyle/>
           <a:p>
-            <a:fld id="{0C807EF2-8379-49B1-AA4B-035F05DA17AE}" type="slidenum">
+            <a:fld id="{DA195E89-8522-4BE9-B9F3-C51B103A7A96}" type="slidenum">
               <a:rPr lang="zh-CN" altLang="en-US" smtClean="0"/>
               <a:t>‹#›</a:t>
             </a:fld>
@@ -723,7 +723,7 @@
     </p:spTree>
     <p:extLst>
       <p:ext uri="{BB962C8B-B14F-4D97-AF65-F5344CB8AC3E}">
-        <p14:creationId xmlns:p14="http://schemas.microsoft.com/office/powerpoint/2010/main" val="2684575573"/>
+        <p14:creationId xmlns:p14="http://schemas.microsoft.com/office/powerpoint/2010/main" val="531993415"/>
       </p:ext>
     </p:extLst>
   </p:cSld>
@@ -755,7 +755,7 @@
           <p:cNvPr id="2" name="标题 1">
             <a:extLst>
               <a:ext uri="{FF2B5EF4-FFF2-40B4-BE49-F238E27FC236}">
-                <a16:creationId xmlns:a16="http://schemas.microsoft.com/office/drawing/2014/main" id="{E5D53F15-7E48-65A7-8372-473091C7B6C2}"/>
+                <a16:creationId xmlns:a16="http://schemas.microsoft.com/office/drawing/2014/main" id="{26DE5E41-B689-A785-63D0-1399F48FA3B7}"/>
               </a:ext>
             </a:extLst>
           </p:cNvPr>
@@ -783,7 +783,7 @@
           <p:cNvPr id="3" name="内容占位符 2">
             <a:extLst>
               <a:ext uri="{FF2B5EF4-FFF2-40B4-BE49-F238E27FC236}">
-                <a16:creationId xmlns:a16="http://schemas.microsoft.com/office/drawing/2014/main" id="{4568E93F-C655-083E-84E1-80B5C8AA915A}"/>
+                <a16:creationId xmlns:a16="http://schemas.microsoft.com/office/drawing/2014/main" id="{D5C6E96A-A3D7-0362-9265-6CF20253976C}"/>
               </a:ext>
             </a:extLst>
           </p:cNvPr>
@@ -840,7 +840,7 @@
           <p:cNvPr id="4" name="日期占位符 3">
             <a:extLst>
               <a:ext uri="{FF2B5EF4-FFF2-40B4-BE49-F238E27FC236}">
-                <a16:creationId xmlns:a16="http://schemas.microsoft.com/office/drawing/2014/main" id="{1FEF65C4-BC84-6219-74CB-9A7DC0E094CA}"/>
+                <a16:creationId xmlns:a16="http://schemas.microsoft.com/office/drawing/2014/main" id="{963D85FF-19E7-21A6-06B7-AFADF252AA09}"/>
               </a:ext>
             </a:extLst>
           </p:cNvPr>
@@ -856,7 +856,7 @@
           <a:bodyPr/>
           <a:lstStyle/>
           <a:p>
-            <a:fld id="{8C862FC8-C38B-4B3A-9A33-68AA3D2216D8}" type="datetimeFigureOut">
+            <a:fld id="{AB8B6590-4476-41FF-801D-180B8DB1D361}" type="datetimeFigureOut">
               <a:rPr lang="zh-CN" altLang="en-US" smtClean="0"/>
               <a:t>2024/3/10</a:t>
             </a:fld>
@@ -869,7 +869,7 @@
           <p:cNvPr id="5" name="页脚占位符 4">
             <a:extLst>
               <a:ext uri="{FF2B5EF4-FFF2-40B4-BE49-F238E27FC236}">
-                <a16:creationId xmlns:a16="http://schemas.microsoft.com/office/drawing/2014/main" id="{CF21A29B-F127-BBA2-003B-2EFC78E6ADD6}"/>
+                <a16:creationId xmlns:a16="http://schemas.microsoft.com/office/drawing/2014/main" id="{E11412B0-75EB-04CD-63D6-8256CC202795}"/>
               </a:ext>
             </a:extLst>
           </p:cNvPr>
@@ -894,7 +894,7 @@
           <p:cNvPr id="6" name="灯片编号占位符 5">
             <a:extLst>
               <a:ext uri="{FF2B5EF4-FFF2-40B4-BE49-F238E27FC236}">
-                <a16:creationId xmlns:a16="http://schemas.microsoft.com/office/drawing/2014/main" id="{37AA54BB-0258-2BCF-E0D5-59FB9F984F4D}"/>
+                <a16:creationId xmlns:a16="http://schemas.microsoft.com/office/drawing/2014/main" id="{68FD3F0A-A9DD-33C5-A57B-362C56811A32}"/>
               </a:ext>
             </a:extLst>
           </p:cNvPr>
@@ -910,7 +910,7 @@
           <a:bodyPr/>
           <a:lstStyle/>
           <a:p>
-            <a:fld id="{0C807EF2-8379-49B1-AA4B-035F05DA17AE}" type="slidenum">
+            <a:fld id="{DA195E89-8522-4BE9-B9F3-C51B103A7A96}" type="slidenum">
               <a:rPr lang="zh-CN" altLang="en-US" smtClean="0"/>
               <a:t>‹#›</a:t>
             </a:fld>
@@ -921,7 +921,7 @@
     </p:spTree>
     <p:extLst>
       <p:ext uri="{BB962C8B-B14F-4D97-AF65-F5344CB8AC3E}">
-        <p14:creationId xmlns:p14="http://schemas.microsoft.com/office/powerpoint/2010/main" val="897912790"/>
+        <p14:creationId xmlns:p14="http://schemas.microsoft.com/office/powerpoint/2010/main" val="489696053"/>
       </p:ext>
     </p:extLst>
   </p:cSld>
@@ -953,7 +953,7 @@
           <p:cNvPr id="2" name="标题 1">
             <a:extLst>
               <a:ext uri="{FF2B5EF4-FFF2-40B4-BE49-F238E27FC236}">
-                <a16:creationId xmlns:a16="http://schemas.microsoft.com/office/drawing/2014/main" id="{BBDA31C8-B86E-CAA2-C971-F765061B6139}"/>
+                <a16:creationId xmlns:a16="http://schemas.microsoft.com/office/drawing/2014/main" id="{F83135BC-AAEF-95C2-B2F4-02641350E79A}"/>
               </a:ext>
             </a:extLst>
           </p:cNvPr>
@@ -990,7 +990,7 @@
           <p:cNvPr id="3" name="文本占位符 2">
             <a:extLst>
               <a:ext uri="{FF2B5EF4-FFF2-40B4-BE49-F238E27FC236}">
-                <a16:creationId xmlns:a16="http://schemas.microsoft.com/office/drawing/2014/main" id="{1E9193AC-77C5-D15F-4DEE-B9EF1F405A66}"/>
+                <a16:creationId xmlns:a16="http://schemas.microsoft.com/office/drawing/2014/main" id="{322A62F1-92F5-76A8-DF3E-E9FC45711CC1}"/>
               </a:ext>
             </a:extLst>
           </p:cNvPr>
@@ -1115,7 +1115,7 @@
           <p:cNvPr id="4" name="日期占位符 3">
             <a:extLst>
               <a:ext uri="{FF2B5EF4-FFF2-40B4-BE49-F238E27FC236}">
-                <a16:creationId xmlns:a16="http://schemas.microsoft.com/office/drawing/2014/main" id="{0F1F74C3-2C79-52B3-DD9E-954B4D1A6C44}"/>
+                <a16:creationId xmlns:a16="http://schemas.microsoft.com/office/drawing/2014/main" id="{3725185F-8A21-25EB-1F6E-0C6416B18AE9}"/>
               </a:ext>
             </a:extLst>
           </p:cNvPr>
@@ -1131,7 +1131,7 @@
           <a:bodyPr/>
           <a:lstStyle/>
           <a:p>
-            <a:fld id="{8C862FC8-C38B-4B3A-9A33-68AA3D2216D8}" type="datetimeFigureOut">
+            <a:fld id="{AB8B6590-4476-41FF-801D-180B8DB1D361}" type="datetimeFigureOut">
               <a:rPr lang="zh-CN" altLang="en-US" smtClean="0"/>
               <a:t>2024/3/10</a:t>
             </a:fld>
@@ -1144,7 +1144,7 @@
           <p:cNvPr id="5" name="页脚占位符 4">
             <a:extLst>
               <a:ext uri="{FF2B5EF4-FFF2-40B4-BE49-F238E27FC236}">
-                <a16:creationId xmlns:a16="http://schemas.microsoft.com/office/drawing/2014/main" id="{6CC97391-A93C-956E-144D-DEEFB5A32B03}"/>
+                <a16:creationId xmlns:a16="http://schemas.microsoft.com/office/drawing/2014/main" id="{FE1CD3A5-622C-D388-66D6-4FC26B2BC264}"/>
               </a:ext>
             </a:extLst>
           </p:cNvPr>
@@ -1169,7 +1169,7 @@
           <p:cNvPr id="6" name="灯片编号占位符 5">
             <a:extLst>
               <a:ext uri="{FF2B5EF4-FFF2-40B4-BE49-F238E27FC236}">
-                <a16:creationId xmlns:a16="http://schemas.microsoft.com/office/drawing/2014/main" id="{8D095055-35EE-87A8-56AD-EFDC5BDDC948}"/>
+                <a16:creationId xmlns:a16="http://schemas.microsoft.com/office/drawing/2014/main" id="{5A1F99D4-BBF7-7913-2DCC-003B9D724603}"/>
               </a:ext>
             </a:extLst>
           </p:cNvPr>
@@ -1185,7 +1185,7 @@
           <a:bodyPr/>
           <a:lstStyle/>
           <a:p>
-            <a:fld id="{0C807EF2-8379-49B1-AA4B-035F05DA17AE}" type="slidenum">
+            <a:fld id="{DA195E89-8522-4BE9-B9F3-C51B103A7A96}" type="slidenum">
               <a:rPr lang="zh-CN" altLang="en-US" smtClean="0"/>
               <a:t>‹#›</a:t>
             </a:fld>
@@ -1196,7 +1196,7 @@
     </p:spTree>
     <p:extLst>
       <p:ext uri="{BB962C8B-B14F-4D97-AF65-F5344CB8AC3E}">
-        <p14:creationId xmlns:p14="http://schemas.microsoft.com/office/powerpoint/2010/main" val="1038712766"/>
+        <p14:creationId xmlns:p14="http://schemas.microsoft.com/office/powerpoint/2010/main" val="550781390"/>
       </p:ext>
     </p:extLst>
   </p:cSld>
@@ -1228,7 +1228,7 @@
           <p:cNvPr id="2" name="标题 1">
             <a:extLst>
               <a:ext uri="{FF2B5EF4-FFF2-40B4-BE49-F238E27FC236}">
-                <a16:creationId xmlns:a16="http://schemas.microsoft.com/office/drawing/2014/main" id="{5B3F2FC2-4BB8-4419-9B9E-EC367E9F5BEB}"/>
+                <a16:creationId xmlns:a16="http://schemas.microsoft.com/office/drawing/2014/main" id="{AE88EF3B-63D7-61AF-6789-4B63B3053416}"/>
               </a:ext>
             </a:extLst>
           </p:cNvPr>
@@ -1256,7 +1256,7 @@
           <p:cNvPr id="3" name="内容占位符 2">
             <a:extLst>
               <a:ext uri="{FF2B5EF4-FFF2-40B4-BE49-F238E27FC236}">
-                <a16:creationId xmlns:a16="http://schemas.microsoft.com/office/drawing/2014/main" id="{93FB022C-B82D-63A0-A3DC-AB4B107EE452}"/>
+                <a16:creationId xmlns:a16="http://schemas.microsoft.com/office/drawing/2014/main" id="{F83A07A6-6DA7-70D9-91DB-F343E61522F9}"/>
               </a:ext>
             </a:extLst>
           </p:cNvPr>
@@ -1318,7 +1318,7 @@
           <p:cNvPr id="4" name="内容占位符 3">
             <a:extLst>
               <a:ext uri="{FF2B5EF4-FFF2-40B4-BE49-F238E27FC236}">
-                <a16:creationId xmlns:a16="http://schemas.microsoft.com/office/drawing/2014/main" id="{46665FC3-5E1D-3641-19FD-2480E3A5442B}"/>
+                <a16:creationId xmlns:a16="http://schemas.microsoft.com/office/drawing/2014/main" id="{9F51795D-5E7B-5805-F77E-CA5A98BAE275}"/>
               </a:ext>
             </a:extLst>
           </p:cNvPr>
@@ -1380,7 +1380,7 @@
           <p:cNvPr id="5" name="日期占位符 4">
             <a:extLst>
               <a:ext uri="{FF2B5EF4-FFF2-40B4-BE49-F238E27FC236}">
-                <a16:creationId xmlns:a16="http://schemas.microsoft.com/office/drawing/2014/main" id="{C4FB236F-927D-C113-5D1C-222C25CBE935}"/>
+                <a16:creationId xmlns:a16="http://schemas.microsoft.com/office/drawing/2014/main" id="{27A2F488-0057-76D3-BB03-1121B22A0550}"/>
               </a:ext>
             </a:extLst>
           </p:cNvPr>
@@ -1396,7 +1396,7 @@
           <a:bodyPr/>
           <a:lstStyle/>
           <a:p>
-            <a:fld id="{8C862FC8-C38B-4B3A-9A33-68AA3D2216D8}" type="datetimeFigureOut">
+            <a:fld id="{AB8B6590-4476-41FF-801D-180B8DB1D361}" type="datetimeFigureOut">
               <a:rPr lang="zh-CN" altLang="en-US" smtClean="0"/>
               <a:t>2024/3/10</a:t>
             </a:fld>
@@ -1409,7 +1409,7 @@
           <p:cNvPr id="6" name="页脚占位符 5">
             <a:extLst>
               <a:ext uri="{FF2B5EF4-FFF2-40B4-BE49-F238E27FC236}">
-                <a16:creationId xmlns:a16="http://schemas.microsoft.com/office/drawing/2014/main" id="{E68C2EC0-816D-6AFC-D69B-C40460DBADBB}"/>
+                <a16:creationId xmlns:a16="http://schemas.microsoft.com/office/drawing/2014/main" id="{3733D765-C00B-AB45-FE4D-02E8A8DF3F38}"/>
               </a:ext>
             </a:extLst>
           </p:cNvPr>
@@ -1434,7 +1434,7 @@
           <p:cNvPr id="7" name="灯片编号占位符 6">
             <a:extLst>
               <a:ext uri="{FF2B5EF4-FFF2-40B4-BE49-F238E27FC236}">
-                <a16:creationId xmlns:a16="http://schemas.microsoft.com/office/drawing/2014/main" id="{D24286B7-FDDE-7D94-9854-D4F95B7A62AC}"/>
+                <a16:creationId xmlns:a16="http://schemas.microsoft.com/office/drawing/2014/main" id="{AD286FAD-F93D-881F-5C03-9390AC57EA1C}"/>
               </a:ext>
             </a:extLst>
           </p:cNvPr>
@@ -1450,7 +1450,7 @@
           <a:bodyPr/>
           <a:lstStyle/>
           <a:p>
-            <a:fld id="{0C807EF2-8379-49B1-AA4B-035F05DA17AE}" type="slidenum">
+            <a:fld id="{DA195E89-8522-4BE9-B9F3-C51B103A7A96}" type="slidenum">
               <a:rPr lang="zh-CN" altLang="en-US" smtClean="0"/>
               <a:t>‹#›</a:t>
             </a:fld>
@@ -1461,7 +1461,7 @@
     </p:spTree>
     <p:extLst>
       <p:ext uri="{BB962C8B-B14F-4D97-AF65-F5344CB8AC3E}">
-        <p14:creationId xmlns:p14="http://schemas.microsoft.com/office/powerpoint/2010/main" val="4025589614"/>
+        <p14:creationId xmlns:p14="http://schemas.microsoft.com/office/powerpoint/2010/main" val="573423125"/>
       </p:ext>
     </p:extLst>
   </p:cSld>
@@ -1493,7 +1493,7 @@
           <p:cNvPr id="2" name="标题 1">
             <a:extLst>
               <a:ext uri="{FF2B5EF4-FFF2-40B4-BE49-F238E27FC236}">
-                <a16:creationId xmlns:a16="http://schemas.microsoft.com/office/drawing/2014/main" id="{A9F5787F-4786-82ED-F372-C315CA4A6D8D}"/>
+                <a16:creationId xmlns:a16="http://schemas.microsoft.com/office/drawing/2014/main" id="{8F70DB9F-149A-B928-67E0-51A8D3DDC9CD}"/>
               </a:ext>
             </a:extLst>
           </p:cNvPr>
@@ -1526,7 +1526,7 @@
           <p:cNvPr id="3" name="文本占位符 2">
             <a:extLst>
               <a:ext uri="{FF2B5EF4-FFF2-40B4-BE49-F238E27FC236}">
-                <a16:creationId xmlns:a16="http://schemas.microsoft.com/office/drawing/2014/main" id="{EEB549A5-CBEA-797C-BC8A-7F1017F0B4F0}"/>
+                <a16:creationId xmlns:a16="http://schemas.microsoft.com/office/drawing/2014/main" id="{86A1C296-6144-3AEF-26D5-6941EC9D9D67}"/>
               </a:ext>
             </a:extLst>
           </p:cNvPr>
@@ -1597,7 +1597,7 @@
           <p:cNvPr id="4" name="内容占位符 3">
             <a:extLst>
               <a:ext uri="{FF2B5EF4-FFF2-40B4-BE49-F238E27FC236}">
-                <a16:creationId xmlns:a16="http://schemas.microsoft.com/office/drawing/2014/main" id="{571F8B47-87CA-B49F-E08B-706670672339}"/>
+                <a16:creationId xmlns:a16="http://schemas.microsoft.com/office/drawing/2014/main" id="{8D56A154-27EF-B28A-E1B8-568773FE4940}"/>
               </a:ext>
             </a:extLst>
           </p:cNvPr>
@@ -1659,7 +1659,7 @@
           <p:cNvPr id="5" name="文本占位符 4">
             <a:extLst>
               <a:ext uri="{FF2B5EF4-FFF2-40B4-BE49-F238E27FC236}">
-                <a16:creationId xmlns:a16="http://schemas.microsoft.com/office/drawing/2014/main" id="{B5B6D1D5-940F-4D1F-B1A9-7E167A93A5E9}"/>
+                <a16:creationId xmlns:a16="http://schemas.microsoft.com/office/drawing/2014/main" id="{C748BB59-E94E-5154-9157-EFEB2C50CDF7}"/>
               </a:ext>
             </a:extLst>
           </p:cNvPr>
@@ -1730,7 +1730,7 @@
           <p:cNvPr id="6" name="内容占位符 5">
             <a:extLst>
               <a:ext uri="{FF2B5EF4-FFF2-40B4-BE49-F238E27FC236}">
-                <a16:creationId xmlns:a16="http://schemas.microsoft.com/office/drawing/2014/main" id="{F66985B2-1D10-3602-D8DD-A242C3069908}"/>
+                <a16:creationId xmlns:a16="http://schemas.microsoft.com/office/drawing/2014/main" id="{DF0F1552-F781-1C54-5EAE-85575B144E0B}"/>
               </a:ext>
             </a:extLst>
           </p:cNvPr>
@@ -1792,7 +1792,7 @@
           <p:cNvPr id="7" name="日期占位符 6">
             <a:extLst>
               <a:ext uri="{FF2B5EF4-FFF2-40B4-BE49-F238E27FC236}">
-                <a16:creationId xmlns:a16="http://schemas.microsoft.com/office/drawing/2014/main" id="{93228001-B580-2438-F1DB-9DCA0908BA72}"/>
+                <a16:creationId xmlns:a16="http://schemas.microsoft.com/office/drawing/2014/main" id="{5E554CB6-8DB7-8B8B-4E14-1AE7E71061AD}"/>
               </a:ext>
             </a:extLst>
           </p:cNvPr>
@@ -1808,7 +1808,7 @@
           <a:bodyPr/>
           <a:lstStyle/>
           <a:p>
-            <a:fld id="{8C862FC8-C38B-4B3A-9A33-68AA3D2216D8}" type="datetimeFigureOut">
+            <a:fld id="{AB8B6590-4476-41FF-801D-180B8DB1D361}" type="datetimeFigureOut">
               <a:rPr lang="zh-CN" altLang="en-US" smtClean="0"/>
               <a:t>2024/3/10</a:t>
             </a:fld>
@@ -1821,7 +1821,7 @@
           <p:cNvPr id="8" name="页脚占位符 7">
             <a:extLst>
               <a:ext uri="{FF2B5EF4-FFF2-40B4-BE49-F238E27FC236}">
-                <a16:creationId xmlns:a16="http://schemas.microsoft.com/office/drawing/2014/main" id="{EEDD9A74-883F-3583-62A6-B094ED41B6CF}"/>
+                <a16:creationId xmlns:a16="http://schemas.microsoft.com/office/drawing/2014/main" id="{DF813862-D386-96BE-6CA0-682D68720F0C}"/>
               </a:ext>
             </a:extLst>
           </p:cNvPr>
@@ -1846,7 +1846,7 @@
           <p:cNvPr id="9" name="灯片编号占位符 8">
             <a:extLst>
               <a:ext uri="{FF2B5EF4-FFF2-40B4-BE49-F238E27FC236}">
-                <a16:creationId xmlns:a16="http://schemas.microsoft.com/office/drawing/2014/main" id="{6C337ACA-346F-C7A1-55A7-20553DB8315D}"/>
+                <a16:creationId xmlns:a16="http://schemas.microsoft.com/office/drawing/2014/main" id="{8400BA3A-406F-B2ED-D699-99AB67FBD026}"/>
               </a:ext>
             </a:extLst>
           </p:cNvPr>
@@ -1862,7 +1862,7 @@
           <a:bodyPr/>
           <a:lstStyle/>
           <a:p>
-            <a:fld id="{0C807EF2-8379-49B1-AA4B-035F05DA17AE}" type="slidenum">
+            <a:fld id="{DA195E89-8522-4BE9-B9F3-C51B103A7A96}" type="slidenum">
               <a:rPr lang="zh-CN" altLang="en-US" smtClean="0"/>
               <a:t>‹#›</a:t>
             </a:fld>
@@ -1873,7 +1873,7 @@
     </p:spTree>
     <p:extLst>
       <p:ext uri="{BB962C8B-B14F-4D97-AF65-F5344CB8AC3E}">
-        <p14:creationId xmlns:p14="http://schemas.microsoft.com/office/powerpoint/2010/main" val="1810772972"/>
+        <p14:creationId xmlns:p14="http://schemas.microsoft.com/office/powerpoint/2010/main" val="3685684128"/>
       </p:ext>
     </p:extLst>
   </p:cSld>
@@ -1905,7 +1905,7 @@
           <p:cNvPr id="2" name="标题 1">
             <a:extLst>
               <a:ext uri="{FF2B5EF4-FFF2-40B4-BE49-F238E27FC236}">
-                <a16:creationId xmlns:a16="http://schemas.microsoft.com/office/drawing/2014/main" id="{EE61D765-A295-5765-1DF6-7EB4211BA9BB}"/>
+                <a16:creationId xmlns:a16="http://schemas.microsoft.com/office/drawing/2014/main" id="{57EBB5ED-B7A5-4CB5-7C66-DCD1780D8AA0}"/>
               </a:ext>
             </a:extLst>
           </p:cNvPr>
@@ -1933,7 +1933,7 @@
           <p:cNvPr id="3" name="日期占位符 2">
             <a:extLst>
               <a:ext uri="{FF2B5EF4-FFF2-40B4-BE49-F238E27FC236}">
-                <a16:creationId xmlns:a16="http://schemas.microsoft.com/office/drawing/2014/main" id="{E72A28C2-E858-13CC-C687-02B4A3B2C064}"/>
+                <a16:creationId xmlns:a16="http://schemas.microsoft.com/office/drawing/2014/main" id="{2B729EA4-220F-04DD-25B2-CB073FFC1178}"/>
               </a:ext>
             </a:extLst>
           </p:cNvPr>
@@ -1949,7 +1949,7 @@
           <a:bodyPr/>
           <a:lstStyle/>
           <a:p>
-            <a:fld id="{8C862FC8-C38B-4B3A-9A33-68AA3D2216D8}" type="datetimeFigureOut">
+            <a:fld id="{AB8B6590-4476-41FF-801D-180B8DB1D361}" type="datetimeFigureOut">
               <a:rPr lang="zh-CN" altLang="en-US" smtClean="0"/>
               <a:t>2024/3/10</a:t>
             </a:fld>
@@ -1962,7 +1962,7 @@
           <p:cNvPr id="4" name="页脚占位符 3">
             <a:extLst>
               <a:ext uri="{FF2B5EF4-FFF2-40B4-BE49-F238E27FC236}">
-                <a16:creationId xmlns:a16="http://schemas.microsoft.com/office/drawing/2014/main" id="{62819431-F905-3979-92BC-F44595516323}"/>
+                <a16:creationId xmlns:a16="http://schemas.microsoft.com/office/drawing/2014/main" id="{3F7B17DE-000A-AB84-9281-C97F2C0057B5}"/>
               </a:ext>
             </a:extLst>
           </p:cNvPr>
@@ -1987,7 +1987,7 @@
           <p:cNvPr id="5" name="灯片编号占位符 4">
             <a:extLst>
               <a:ext uri="{FF2B5EF4-FFF2-40B4-BE49-F238E27FC236}">
-                <a16:creationId xmlns:a16="http://schemas.microsoft.com/office/drawing/2014/main" id="{82678E78-13C9-AEEE-E04E-7E568616C98E}"/>
+                <a16:creationId xmlns:a16="http://schemas.microsoft.com/office/drawing/2014/main" id="{C3589B15-2985-9784-86C4-F43BAC5E4D85}"/>
               </a:ext>
             </a:extLst>
           </p:cNvPr>
@@ -2003,7 +2003,7 @@
           <a:bodyPr/>
           <a:lstStyle/>
           <a:p>
-            <a:fld id="{0C807EF2-8379-49B1-AA4B-035F05DA17AE}" type="slidenum">
+            <a:fld id="{DA195E89-8522-4BE9-B9F3-C51B103A7A96}" type="slidenum">
               <a:rPr lang="zh-CN" altLang="en-US" smtClean="0"/>
               <a:t>‹#›</a:t>
             </a:fld>
@@ -2014,7 +2014,7 @@
     </p:spTree>
     <p:extLst>
       <p:ext uri="{BB962C8B-B14F-4D97-AF65-F5344CB8AC3E}">
-        <p14:creationId xmlns:p14="http://schemas.microsoft.com/office/powerpoint/2010/main" val="777059237"/>
+        <p14:creationId xmlns:p14="http://schemas.microsoft.com/office/powerpoint/2010/main" val="2521758915"/>
       </p:ext>
     </p:extLst>
   </p:cSld>
@@ -2046,7 +2046,7 @@
           <p:cNvPr id="2" name="日期占位符 1">
             <a:extLst>
               <a:ext uri="{FF2B5EF4-FFF2-40B4-BE49-F238E27FC236}">
-                <a16:creationId xmlns:a16="http://schemas.microsoft.com/office/drawing/2014/main" id="{EE61B915-0912-A6FA-7D93-090406314899}"/>
+                <a16:creationId xmlns:a16="http://schemas.microsoft.com/office/drawing/2014/main" id="{D1FB07C1-F3BB-ED73-A153-CB94F86A6203}"/>
               </a:ext>
             </a:extLst>
           </p:cNvPr>
@@ -2062,7 +2062,7 @@
           <a:bodyPr/>
           <a:lstStyle/>
           <a:p>
-            <a:fld id="{8C862FC8-C38B-4B3A-9A33-68AA3D2216D8}" type="datetimeFigureOut">
+            <a:fld id="{AB8B6590-4476-41FF-801D-180B8DB1D361}" type="datetimeFigureOut">
               <a:rPr lang="zh-CN" altLang="en-US" smtClean="0"/>
               <a:t>2024/3/10</a:t>
             </a:fld>
@@ -2075,7 +2075,7 @@
           <p:cNvPr id="3" name="页脚占位符 2">
             <a:extLst>
               <a:ext uri="{FF2B5EF4-FFF2-40B4-BE49-F238E27FC236}">
-                <a16:creationId xmlns:a16="http://schemas.microsoft.com/office/drawing/2014/main" id="{721C887A-C815-58F4-A699-88F94442B31D}"/>
+                <a16:creationId xmlns:a16="http://schemas.microsoft.com/office/drawing/2014/main" id="{2B44B397-F91D-0B66-5B95-0009ACA1ABEE}"/>
               </a:ext>
             </a:extLst>
           </p:cNvPr>
@@ -2100,7 +2100,7 @@
           <p:cNvPr id="4" name="灯片编号占位符 3">
             <a:extLst>
               <a:ext uri="{FF2B5EF4-FFF2-40B4-BE49-F238E27FC236}">
-                <a16:creationId xmlns:a16="http://schemas.microsoft.com/office/drawing/2014/main" id="{DEEA4C0A-4901-D615-9149-B11D10C5C2A6}"/>
+                <a16:creationId xmlns:a16="http://schemas.microsoft.com/office/drawing/2014/main" id="{554B4A76-81A5-C67D-3586-B810F5C3AF2D}"/>
               </a:ext>
             </a:extLst>
           </p:cNvPr>
@@ -2116,7 +2116,7 @@
           <a:bodyPr/>
           <a:lstStyle/>
           <a:p>
-            <a:fld id="{0C807EF2-8379-49B1-AA4B-035F05DA17AE}" type="slidenum">
+            <a:fld id="{DA195E89-8522-4BE9-B9F3-C51B103A7A96}" type="slidenum">
               <a:rPr lang="zh-CN" altLang="en-US" smtClean="0"/>
               <a:t>‹#›</a:t>
             </a:fld>
@@ -2127,7 +2127,7 @@
     </p:spTree>
     <p:extLst>
       <p:ext uri="{BB962C8B-B14F-4D97-AF65-F5344CB8AC3E}">
-        <p14:creationId xmlns:p14="http://schemas.microsoft.com/office/powerpoint/2010/main" val="2961713969"/>
+        <p14:creationId xmlns:p14="http://schemas.microsoft.com/office/powerpoint/2010/main" val="1321343852"/>
       </p:ext>
     </p:extLst>
   </p:cSld>
@@ -2159,7 +2159,7 @@
           <p:cNvPr id="2" name="标题 1">
             <a:extLst>
               <a:ext uri="{FF2B5EF4-FFF2-40B4-BE49-F238E27FC236}">
-                <a16:creationId xmlns:a16="http://schemas.microsoft.com/office/drawing/2014/main" id="{7E3A6D69-B200-A86A-823E-620DCD473142}"/>
+                <a16:creationId xmlns:a16="http://schemas.microsoft.com/office/drawing/2014/main" id="{70757771-215C-9952-7A7A-53EEFB71880E}"/>
               </a:ext>
             </a:extLst>
           </p:cNvPr>
@@ -2196,7 +2196,7 @@
           <p:cNvPr id="3" name="内容占位符 2">
             <a:extLst>
               <a:ext uri="{FF2B5EF4-FFF2-40B4-BE49-F238E27FC236}">
-                <a16:creationId xmlns:a16="http://schemas.microsoft.com/office/drawing/2014/main" id="{44ACA96C-96FD-3222-C5F3-E5C18E3287F5}"/>
+                <a16:creationId xmlns:a16="http://schemas.microsoft.com/office/drawing/2014/main" id="{C24D4D8C-439D-D4F7-A993-EFE8EF6662B5}"/>
               </a:ext>
             </a:extLst>
           </p:cNvPr>
@@ -2286,7 +2286,7 @@
           <p:cNvPr id="4" name="文本占位符 3">
             <a:extLst>
               <a:ext uri="{FF2B5EF4-FFF2-40B4-BE49-F238E27FC236}">
-                <a16:creationId xmlns:a16="http://schemas.microsoft.com/office/drawing/2014/main" id="{FB73D7D1-B62F-EA48-324D-E9FEC12F0470}"/>
+                <a16:creationId xmlns:a16="http://schemas.microsoft.com/office/drawing/2014/main" id="{32451238-9D49-B8ED-C819-F256FC3D1464}"/>
               </a:ext>
             </a:extLst>
           </p:cNvPr>
@@ -2357,7 +2357,7 @@
           <p:cNvPr id="5" name="日期占位符 4">
             <a:extLst>
               <a:ext uri="{FF2B5EF4-FFF2-40B4-BE49-F238E27FC236}">
-                <a16:creationId xmlns:a16="http://schemas.microsoft.com/office/drawing/2014/main" id="{6C7FAEE7-8BA3-1915-4A5C-150D10D13A0E}"/>
+                <a16:creationId xmlns:a16="http://schemas.microsoft.com/office/drawing/2014/main" id="{9AD364AE-C8C2-4FB9-E1CB-7EC467A50E52}"/>
               </a:ext>
             </a:extLst>
           </p:cNvPr>
@@ -2373,7 +2373,7 @@
           <a:bodyPr/>
           <a:lstStyle/>
           <a:p>
-            <a:fld id="{8C862FC8-C38B-4B3A-9A33-68AA3D2216D8}" type="datetimeFigureOut">
+            <a:fld id="{AB8B6590-4476-41FF-801D-180B8DB1D361}" type="datetimeFigureOut">
               <a:rPr lang="zh-CN" altLang="en-US" smtClean="0"/>
               <a:t>2024/3/10</a:t>
             </a:fld>
@@ -2386,7 +2386,7 @@
           <p:cNvPr id="6" name="页脚占位符 5">
             <a:extLst>
               <a:ext uri="{FF2B5EF4-FFF2-40B4-BE49-F238E27FC236}">
-                <a16:creationId xmlns:a16="http://schemas.microsoft.com/office/drawing/2014/main" id="{B8F6A658-EC9A-AEAA-8B52-190B23417E10}"/>
+                <a16:creationId xmlns:a16="http://schemas.microsoft.com/office/drawing/2014/main" id="{0CC281E1-CD55-E514-32C9-5C440FDA0485}"/>
               </a:ext>
             </a:extLst>
           </p:cNvPr>
@@ -2411,7 +2411,7 @@
           <p:cNvPr id="7" name="灯片编号占位符 6">
             <a:extLst>
               <a:ext uri="{FF2B5EF4-FFF2-40B4-BE49-F238E27FC236}">
-                <a16:creationId xmlns:a16="http://schemas.microsoft.com/office/drawing/2014/main" id="{1922CBB5-4A6C-24DC-CE82-5ECA238704D3}"/>
+                <a16:creationId xmlns:a16="http://schemas.microsoft.com/office/drawing/2014/main" id="{6D19BF26-56A3-BDB8-49CE-DDFCE0136872}"/>
               </a:ext>
             </a:extLst>
           </p:cNvPr>
@@ -2427,7 +2427,7 @@
           <a:bodyPr/>
           <a:lstStyle/>
           <a:p>
-            <a:fld id="{0C807EF2-8379-49B1-AA4B-035F05DA17AE}" type="slidenum">
+            <a:fld id="{DA195E89-8522-4BE9-B9F3-C51B103A7A96}" type="slidenum">
               <a:rPr lang="zh-CN" altLang="en-US" smtClean="0"/>
               <a:t>‹#›</a:t>
             </a:fld>
@@ -2438,7 +2438,7 @@
     </p:spTree>
     <p:extLst>
       <p:ext uri="{BB962C8B-B14F-4D97-AF65-F5344CB8AC3E}">
-        <p14:creationId xmlns:p14="http://schemas.microsoft.com/office/powerpoint/2010/main" val="971215999"/>
+        <p14:creationId xmlns:p14="http://schemas.microsoft.com/office/powerpoint/2010/main" val="4059935986"/>
       </p:ext>
     </p:extLst>
   </p:cSld>
@@ -2470,7 +2470,7 @@
           <p:cNvPr id="2" name="标题 1">
             <a:extLst>
               <a:ext uri="{FF2B5EF4-FFF2-40B4-BE49-F238E27FC236}">
-                <a16:creationId xmlns:a16="http://schemas.microsoft.com/office/drawing/2014/main" id="{84AF8C19-715F-ED09-C807-DF5D3677DC67}"/>
+                <a16:creationId xmlns:a16="http://schemas.microsoft.com/office/drawing/2014/main" id="{A46CD61B-BB2C-9175-8EC3-E3113FD2B503}"/>
               </a:ext>
             </a:extLst>
           </p:cNvPr>
@@ -2507,7 +2507,7 @@
           <p:cNvPr id="3" name="图片占位符 2">
             <a:extLst>
               <a:ext uri="{FF2B5EF4-FFF2-40B4-BE49-F238E27FC236}">
-                <a16:creationId xmlns:a16="http://schemas.microsoft.com/office/drawing/2014/main" id="{6D80EFEF-DA6A-2518-2CA2-71672E84B74F}"/>
+                <a16:creationId xmlns:a16="http://schemas.microsoft.com/office/drawing/2014/main" id="{C6836D9E-CA6A-B630-D710-CD2AD3ECEFBA}"/>
               </a:ext>
             </a:extLst>
           </p:cNvPr>
@@ -2574,7 +2574,7 @@
           <p:cNvPr id="4" name="文本占位符 3">
             <a:extLst>
               <a:ext uri="{FF2B5EF4-FFF2-40B4-BE49-F238E27FC236}">
-                <a16:creationId xmlns:a16="http://schemas.microsoft.com/office/drawing/2014/main" id="{3DC7CC00-5306-08D0-EC12-EDA0BC28E891}"/>
+                <a16:creationId xmlns:a16="http://schemas.microsoft.com/office/drawing/2014/main" id="{9620B447-4471-D39B-CC9C-14A77593EAC4}"/>
               </a:ext>
             </a:extLst>
           </p:cNvPr>
@@ -2645,7 +2645,7 @@
           <p:cNvPr id="5" name="日期占位符 4">
             <a:extLst>
               <a:ext uri="{FF2B5EF4-FFF2-40B4-BE49-F238E27FC236}">
-                <a16:creationId xmlns:a16="http://schemas.microsoft.com/office/drawing/2014/main" id="{F15F704E-223A-2DE7-8B5B-2435C3858488}"/>
+                <a16:creationId xmlns:a16="http://schemas.microsoft.com/office/drawing/2014/main" id="{CC2EC079-2F72-62D9-6A89-A73C4FB217D7}"/>
               </a:ext>
             </a:extLst>
           </p:cNvPr>
@@ -2661,7 +2661,7 @@
           <a:bodyPr/>
           <a:lstStyle/>
           <a:p>
-            <a:fld id="{8C862FC8-C38B-4B3A-9A33-68AA3D2216D8}" type="datetimeFigureOut">
+            <a:fld id="{AB8B6590-4476-41FF-801D-180B8DB1D361}" type="datetimeFigureOut">
               <a:rPr lang="zh-CN" altLang="en-US" smtClean="0"/>
               <a:t>2024/3/10</a:t>
             </a:fld>
@@ -2674,7 +2674,7 @@
           <p:cNvPr id="6" name="页脚占位符 5">
             <a:extLst>
               <a:ext uri="{FF2B5EF4-FFF2-40B4-BE49-F238E27FC236}">
-                <a16:creationId xmlns:a16="http://schemas.microsoft.com/office/drawing/2014/main" id="{29435EEC-FA5E-B720-0772-2692CFEB9D26}"/>
+                <a16:creationId xmlns:a16="http://schemas.microsoft.com/office/drawing/2014/main" id="{A6AB48C1-F83A-B67C-181E-A3031570D596}"/>
               </a:ext>
             </a:extLst>
           </p:cNvPr>
@@ -2699,7 +2699,7 @@
           <p:cNvPr id="7" name="灯片编号占位符 6">
             <a:extLst>
               <a:ext uri="{FF2B5EF4-FFF2-40B4-BE49-F238E27FC236}">
-                <a16:creationId xmlns:a16="http://schemas.microsoft.com/office/drawing/2014/main" id="{9295B855-E2CA-0A56-BC26-E66AD579363E}"/>
+                <a16:creationId xmlns:a16="http://schemas.microsoft.com/office/drawing/2014/main" id="{F458D0EB-41F4-C2CD-DAA4-C8B4E558EE88}"/>
               </a:ext>
             </a:extLst>
           </p:cNvPr>
@@ -2715,7 +2715,7 @@
           <a:bodyPr/>
           <a:lstStyle/>
           <a:p>
-            <a:fld id="{0C807EF2-8379-49B1-AA4B-035F05DA17AE}" type="slidenum">
+            <a:fld id="{DA195E89-8522-4BE9-B9F3-C51B103A7A96}" type="slidenum">
               <a:rPr lang="zh-CN" altLang="en-US" smtClean="0"/>
               <a:t>‹#›</a:t>
             </a:fld>
@@ -2726,7 +2726,7 @@
     </p:spTree>
     <p:extLst>
       <p:ext uri="{BB962C8B-B14F-4D97-AF65-F5344CB8AC3E}">
-        <p14:creationId xmlns:p14="http://schemas.microsoft.com/office/powerpoint/2010/main" val="2642614080"/>
+        <p14:creationId xmlns:p14="http://schemas.microsoft.com/office/powerpoint/2010/main" val="3024836839"/>
       </p:ext>
     </p:extLst>
   </p:cSld>
@@ -2763,7 +2763,7 @@
           <p:cNvPr id="2" name="标题占位符 1">
             <a:extLst>
               <a:ext uri="{FF2B5EF4-FFF2-40B4-BE49-F238E27FC236}">
-                <a16:creationId xmlns:a16="http://schemas.microsoft.com/office/drawing/2014/main" id="{D35C3C46-8A20-D792-560F-2DBA09855784}"/>
+                <a16:creationId xmlns:a16="http://schemas.microsoft.com/office/drawing/2014/main" id="{553E8656-3A7D-2B81-A505-FEEE72FBB823}"/>
               </a:ext>
             </a:extLst>
           </p:cNvPr>
@@ -2801,7 +2801,7 @@
           <p:cNvPr id="3" name="文本占位符 2">
             <a:extLst>
               <a:ext uri="{FF2B5EF4-FFF2-40B4-BE49-F238E27FC236}">
-                <a16:creationId xmlns:a16="http://schemas.microsoft.com/office/drawing/2014/main" id="{028D832C-15A6-EB32-32EC-58A9BA243A34}"/>
+                <a16:creationId xmlns:a16="http://schemas.microsoft.com/office/drawing/2014/main" id="{7E72BE3A-A935-7277-2748-5355C7A8849C}"/>
               </a:ext>
             </a:extLst>
           </p:cNvPr>
@@ -2868,7 +2868,7 @@
           <p:cNvPr id="4" name="日期占位符 3">
             <a:extLst>
               <a:ext uri="{FF2B5EF4-FFF2-40B4-BE49-F238E27FC236}">
-                <a16:creationId xmlns:a16="http://schemas.microsoft.com/office/drawing/2014/main" id="{33FB93F7-221A-1C3C-DBB4-00BE3A437B02}"/>
+                <a16:creationId xmlns:a16="http://schemas.microsoft.com/office/drawing/2014/main" id="{E7677FED-1387-EAE6-5A1E-70E27F653A2C}"/>
               </a:ext>
             </a:extLst>
           </p:cNvPr>
@@ -2902,7 +2902,7 @@
             </a:lvl1pPr>
           </a:lstStyle>
           <a:p>
-            <a:fld id="{8C862FC8-C38B-4B3A-9A33-68AA3D2216D8}" type="datetimeFigureOut">
+            <a:fld id="{AB8B6590-4476-41FF-801D-180B8DB1D361}" type="datetimeFigureOut">
               <a:rPr lang="zh-CN" altLang="en-US" smtClean="0"/>
               <a:t>2024/3/10</a:t>
             </a:fld>
@@ -2915,7 +2915,7 @@
           <p:cNvPr id="5" name="页脚占位符 4">
             <a:extLst>
               <a:ext uri="{FF2B5EF4-FFF2-40B4-BE49-F238E27FC236}">
-                <a16:creationId xmlns:a16="http://schemas.microsoft.com/office/drawing/2014/main" id="{6C51F7E0-59E1-3594-2C37-59B06626D849}"/>
+                <a16:creationId xmlns:a16="http://schemas.microsoft.com/office/drawing/2014/main" id="{024C889D-9F04-F98B-1841-7EB60B5E0C31}"/>
               </a:ext>
             </a:extLst>
           </p:cNvPr>
@@ -2958,7 +2958,7 @@
           <p:cNvPr id="6" name="灯片编号占位符 5">
             <a:extLst>
               <a:ext uri="{FF2B5EF4-FFF2-40B4-BE49-F238E27FC236}">
-                <a16:creationId xmlns:a16="http://schemas.microsoft.com/office/drawing/2014/main" id="{F8889975-3CFA-612B-9C18-DF69847E2CAD}"/>
+                <a16:creationId xmlns:a16="http://schemas.microsoft.com/office/drawing/2014/main" id="{D7887385-3C45-9EA9-9F77-3B7046DC1C9A}"/>
               </a:ext>
             </a:extLst>
           </p:cNvPr>
@@ -2992,7 +2992,7 @@
             </a:lvl1pPr>
           </a:lstStyle>
           <a:p>
-            <a:fld id="{0C807EF2-8379-49B1-AA4B-035F05DA17AE}" type="slidenum">
+            <a:fld id="{DA195E89-8522-4BE9-B9F3-C51B103A7A96}" type="slidenum">
               <a:rPr lang="zh-CN" altLang="en-US" smtClean="0"/>
               <a:t>‹#›</a:t>
             </a:fld>
@@ -3003,7 +3003,7 @@
     </p:spTree>
     <p:extLst>
       <p:ext uri="{BB962C8B-B14F-4D97-AF65-F5344CB8AC3E}">
-        <p14:creationId xmlns:p14="http://schemas.microsoft.com/office/powerpoint/2010/main" val="2615335094"/>
+        <p14:creationId xmlns:p14="http://schemas.microsoft.com/office/powerpoint/2010/main" val="760442324"/>
       </p:ext>
     </p:extLst>
   </p:cSld>
@@ -3323,7 +3323,7 @@
       </p:grpSpPr>
       <p:pic>
         <p:nvPicPr>
-          <p:cNvPr id="222210" name="Picture 2" descr="216"/>
+          <p:cNvPr id="223234" name="Picture 2" descr="217"/>
           <p:cNvPicPr>
             <a:picLocks noChangeAspect="1" noChangeArrowheads="1"/>
           </p:cNvPicPr>
